--- a/Vizsgaremek_Prezentáció/Vizsgaremek_Prezentáció.pptx
+++ b/Vizsgaremek_Prezentáció/Vizsgaremek_Prezentáció.pptx
@@ -113,6 +113,11 @@
       </a:defRPr>
     </a:lvl9pPr>
   </p:defaultTextStyle>
+  <p:extLst>
+    <p:ext uri="{EFAFB233-063F-42B5-8137-9DF3F51BA10A}">
+      <p15:sldGuideLst xmlns:p15="http://schemas.microsoft.com/office/powerpoint/2012/main"/>
+    </p:ext>
+  </p:extLst>
 </p:presentation>
 </file>
 
@@ -1244,7 +1249,7 @@
           <a:p>
             <a:fld id="{F8681863-B800-4969-9814-64ADBB0E730D}" type="datetimeFigureOut">
               <a:rPr lang="hu-HU" smtClean="0"/>
-              <a:t>2023. 04. 09.</a:t>
+              <a:t>2023. 04. 11.</a:t>
             </a:fld>
             <a:endParaRPr lang="hu-HU"/>
           </a:p>
@@ -1495,7 +1500,7 @@
           <a:p>
             <a:fld id="{F8681863-B800-4969-9814-64ADBB0E730D}" type="datetimeFigureOut">
               <a:rPr lang="hu-HU" smtClean="0"/>
-              <a:t>2023. 04. 09.</a:t>
+              <a:t>2023. 04. 11.</a:t>
             </a:fld>
             <a:endParaRPr lang="hu-HU"/>
           </a:p>
@@ -1809,7 +1814,7 @@
           <a:p>
             <a:fld id="{F8681863-B800-4969-9814-64ADBB0E730D}" type="datetimeFigureOut">
               <a:rPr lang="hu-HU" smtClean="0"/>
-              <a:t>2023. 04. 09.</a:t>
+              <a:t>2023. 04. 11.</a:t>
             </a:fld>
             <a:endParaRPr lang="hu-HU"/>
           </a:p>
@@ -2136,7 +2141,7 @@
           <a:p>
             <a:fld id="{F8681863-B800-4969-9814-64ADBB0E730D}" type="datetimeFigureOut">
               <a:rPr lang="hu-HU" smtClean="0"/>
-              <a:t>2023. 04. 09.</a:t>
+              <a:t>2023. 04. 11.</a:t>
             </a:fld>
             <a:endParaRPr lang="hu-HU"/>
           </a:p>
@@ -2450,7 +2455,7 @@
           <a:p>
             <a:fld id="{F8681863-B800-4969-9814-64ADBB0E730D}" type="datetimeFigureOut">
               <a:rPr lang="hu-HU" smtClean="0"/>
-              <a:t>2023. 04. 09.</a:t>
+              <a:t>2023. 04. 11.</a:t>
             </a:fld>
             <a:endParaRPr lang="hu-HU"/>
           </a:p>
@@ -2837,7 +2842,7 @@
           <a:p>
             <a:fld id="{F8681863-B800-4969-9814-64ADBB0E730D}" type="datetimeFigureOut">
               <a:rPr lang="hu-HU" smtClean="0"/>
-              <a:t>2023. 04. 09.</a:t>
+              <a:t>2023. 04. 11.</a:t>
             </a:fld>
             <a:endParaRPr lang="hu-HU"/>
           </a:p>
@@ -3007,7 +3012,7 @@
           <a:p>
             <a:fld id="{F8681863-B800-4969-9814-64ADBB0E730D}" type="datetimeFigureOut">
               <a:rPr lang="hu-HU" smtClean="0"/>
-              <a:t>2023. 04. 09.</a:t>
+              <a:t>2023. 04. 11.</a:t>
             </a:fld>
             <a:endParaRPr lang="hu-HU"/>
           </a:p>
@@ -3187,7 +3192,7 @@
           <a:p>
             <a:fld id="{F8681863-B800-4969-9814-64ADBB0E730D}" type="datetimeFigureOut">
               <a:rPr lang="hu-HU" smtClean="0"/>
-              <a:t>2023. 04. 09.</a:t>
+              <a:t>2023. 04. 11.</a:t>
             </a:fld>
             <a:endParaRPr lang="hu-HU"/>
           </a:p>
@@ -3363,7 +3368,7 @@
           <a:p>
             <a:fld id="{F8681863-B800-4969-9814-64ADBB0E730D}" type="datetimeFigureOut">
               <a:rPr lang="hu-HU" smtClean="0"/>
-              <a:t>2023. 04. 09.</a:t>
+              <a:t>2023. 04. 11.</a:t>
             </a:fld>
             <a:endParaRPr lang="hu-HU"/>
           </a:p>
@@ -3610,7 +3615,7 @@
           <a:p>
             <a:fld id="{F8681863-B800-4969-9814-64ADBB0E730D}" type="datetimeFigureOut">
               <a:rPr lang="hu-HU" smtClean="0"/>
-              <a:t>2023. 04. 09.</a:t>
+              <a:t>2023. 04. 11.</a:t>
             </a:fld>
             <a:endParaRPr lang="hu-HU"/>
           </a:p>
@@ -3842,7 +3847,7 @@
           <a:p>
             <a:fld id="{F8681863-B800-4969-9814-64ADBB0E730D}" type="datetimeFigureOut">
               <a:rPr lang="hu-HU" smtClean="0"/>
-              <a:t>2023. 04. 09.</a:t>
+              <a:t>2023. 04. 11.</a:t>
             </a:fld>
             <a:endParaRPr lang="hu-HU"/>
           </a:p>
@@ -4216,7 +4221,7 @@
           <a:p>
             <a:fld id="{F8681863-B800-4969-9814-64ADBB0E730D}" type="datetimeFigureOut">
               <a:rPr lang="hu-HU" smtClean="0"/>
-              <a:t>2023. 04. 09.</a:t>
+              <a:t>2023. 04. 11.</a:t>
             </a:fld>
             <a:endParaRPr lang="hu-HU"/>
           </a:p>
@@ -4339,7 +4344,7 @@
           <a:p>
             <a:fld id="{F8681863-B800-4969-9814-64ADBB0E730D}" type="datetimeFigureOut">
               <a:rPr lang="hu-HU" smtClean="0"/>
-              <a:t>2023. 04. 09.</a:t>
+              <a:t>2023. 04. 11.</a:t>
             </a:fld>
             <a:endParaRPr lang="hu-HU"/>
           </a:p>
@@ -4434,7 +4439,7 @@
           <a:p>
             <a:fld id="{F8681863-B800-4969-9814-64ADBB0E730D}" type="datetimeFigureOut">
               <a:rPr lang="hu-HU" smtClean="0"/>
-              <a:t>2023. 04. 09.</a:t>
+              <a:t>2023. 04. 11.</a:t>
             </a:fld>
             <a:endParaRPr lang="hu-HU"/>
           </a:p>
@@ -4689,7 +4694,7 @@
           <a:p>
             <a:fld id="{F8681863-B800-4969-9814-64ADBB0E730D}" type="datetimeFigureOut">
               <a:rPr lang="hu-HU" smtClean="0"/>
-              <a:t>2023. 04. 09.</a:t>
+              <a:t>2023. 04. 11.</a:t>
             </a:fld>
             <a:endParaRPr lang="hu-HU"/>
           </a:p>
@@ -4952,7 +4957,7 @@
           <a:p>
             <a:fld id="{F8681863-B800-4969-9814-64ADBB0E730D}" type="datetimeFigureOut">
               <a:rPr lang="hu-HU" smtClean="0"/>
-              <a:t>2023. 04. 09.</a:t>
+              <a:t>2023. 04. 11.</a:t>
             </a:fld>
             <a:endParaRPr lang="hu-HU"/>
           </a:p>
@@ -5697,7 +5702,7 @@
           <a:p>
             <a:fld id="{F8681863-B800-4969-9814-64ADBB0E730D}" type="datetimeFigureOut">
               <a:rPr lang="hu-HU" smtClean="0"/>
-              <a:t>2023. 04. 09.</a:t>
+              <a:t>2023. 04. 11.</a:t>
             </a:fld>
             <a:endParaRPr lang="hu-HU"/>
           </a:p>
@@ -7212,14 +7217,14 @@
             <p:ph idx="1"/>
             <p:extLst>
               <p:ext uri="{D42A27DB-BD31-4B8C-83A1-F6EECF244321}">
-                <p14:modId xmlns:p14="http://schemas.microsoft.com/office/powerpoint/2010/main" val="2267507609"/>
+                <p14:modId xmlns:p14="http://schemas.microsoft.com/office/powerpoint/2010/main" val="1937451145"/>
               </p:ext>
             </p:extLst>
           </p:nvPr>
         </p:nvGraphicFramePr>
         <p:xfrm>
           <a:off x="974035" y="0"/>
-          <a:ext cx="7484165" cy="7203600"/>
+          <a:ext cx="7484165" cy="7197208"/>
         </p:xfrm>
         <a:graphic>
           <a:graphicData uri="http://schemas.openxmlformats.org/drawingml/2006/table">
@@ -7441,7 +7446,7 @@
                           <a:ea typeface="+mn-ea"/>
                           <a:cs typeface="+mn-cs"/>
                         </a:rPr>
-                        <a:t>Regisztráció-sikeresen+sorozatos adatbevitel listából - </a:t>
+                        <a:t>Bejelentkezés-üres mezőkkel - </a:t>
                       </a:r>
                       <a:r>
                         <a:rPr lang="en-US" sz="1200" kern="1200">
@@ -7455,7 +7460,7 @@
                           <a:ea typeface="+mn-ea"/>
                           <a:cs typeface="+mn-cs"/>
                         </a:rPr>
-                        <a:t>test_signup_succesfully_and_data_input_iteratio</a:t>
+                        <a:t>test_signin_with_empty_fields</a:t>
                       </a:r>
                       <a:r>
                         <a:rPr lang="hu-HU" sz="1200" kern="1200">
@@ -7469,7 +7474,7 @@
                           <a:ea typeface="+mn-ea"/>
                           <a:cs typeface="+mn-cs"/>
                         </a:rPr>
-                        <a:t>n </a:t>
+                        <a:t> </a:t>
                       </a:r>
                       <a:r>
                         <a:rPr lang="hu-HU" sz="1200" b="1" u="sng" kern="1200">
@@ -7483,7 +7488,7 @@
                         </a:rPr>
                         <a:t>TC-3</a:t>
                       </a:r>
-                      <a:endParaRPr lang="hu-HU" sz="1200" kern="1200">
+                      <a:endParaRPr lang="en-US" sz="1200" kern="1200">
                         <a:solidFill>
                           <a:schemeClr val="accent5">
                             <a:lumMod val="75000"/>
@@ -7567,21 +7572,7 @@
                           <a:ea typeface="+mn-ea"/>
                           <a:cs typeface="+mn-cs"/>
                         </a:rPr>
-                        <a:t>Bejelentkezés-üres mezőkkel - </a:t>
-                      </a:r>
-                      <a:r>
-                        <a:rPr lang="en-US" sz="1200" kern="1200">
-                          <a:solidFill>
-                            <a:schemeClr val="accent5">
-                              <a:lumMod val="75000"/>
-                            </a:schemeClr>
-                          </a:solidFill>
-                          <a:effectLst/>
-                          <a:latin typeface="+mn-lt"/>
-                          <a:ea typeface="+mn-ea"/>
-                          <a:cs typeface="+mn-cs"/>
-                        </a:rPr>
-                        <a:t>test_signin_with_empty_fields</a:t>
+                        <a:t>Bejelentkezés–sikeresen - </a:t>
                       </a:r>
                       <a:r>
                         <a:rPr lang="hu-HU" sz="1200" kern="1200">
@@ -7595,7 +7586,7 @@
                           <a:ea typeface="+mn-ea"/>
                           <a:cs typeface="+mn-cs"/>
                         </a:rPr>
-                        <a:t> </a:t>
+                        <a:t>test_signin_succesfully </a:t>
                       </a:r>
                       <a:r>
                         <a:rPr lang="hu-HU" sz="1200" b="1" u="sng" kern="1200">
@@ -7609,7 +7600,7 @@
                         </a:rPr>
                         <a:t>TC-4</a:t>
                       </a:r>
-                      <a:endParaRPr lang="en-US" sz="1200" kern="1200">
+                      <a:endParaRPr lang="hu-HU" sz="1200" kern="1200">
                         <a:solidFill>
                           <a:schemeClr val="accent5">
                             <a:lumMod val="75000"/>
@@ -7691,7 +7682,21 @@
                           <a:ea typeface="+mn-ea"/>
                           <a:cs typeface="+mn-cs"/>
                         </a:rPr>
-                        <a:t>Bejelentkezés–sikeresen - </a:t>
+                        <a:t>Kijelentkezés - </a:t>
+                      </a:r>
+                      <a:r>
+                        <a:rPr lang="en-US" sz="1200" kern="1200">
+                          <a:solidFill>
+                            <a:schemeClr val="accent5">
+                              <a:lumMod val="75000"/>
+                            </a:schemeClr>
+                          </a:solidFill>
+                          <a:effectLst/>
+                          <a:latin typeface="+mn-lt"/>
+                          <a:ea typeface="+mn-ea"/>
+                          <a:cs typeface="+mn-cs"/>
+                        </a:rPr>
+                        <a:t>test_logout_succesfully_or_unsuccesfully</a:t>
                       </a:r>
                       <a:r>
                         <a:rPr lang="hu-HU" sz="1200" kern="1200">
@@ -7705,7 +7710,7 @@
                           <a:ea typeface="+mn-ea"/>
                           <a:cs typeface="+mn-cs"/>
                         </a:rPr>
-                        <a:t>test_signin_succesfully </a:t>
+                        <a:t> </a:t>
                       </a:r>
                       <a:r>
                         <a:rPr lang="hu-HU" sz="1200" b="1" u="sng" kern="1200">
@@ -7719,7 +7724,7 @@
                         </a:rPr>
                         <a:t>TC-5</a:t>
                       </a:r>
-                      <a:endParaRPr lang="hu-HU" sz="1200" kern="1200">
+                      <a:endParaRPr lang="en-US" sz="1200" kern="1200">
                         <a:solidFill>
                           <a:schemeClr val="accent5">
                             <a:lumMod val="75000"/>
@@ -7801,7 +7806,7 @@
                           <a:ea typeface="+mn-ea"/>
                           <a:cs typeface="+mn-cs"/>
                         </a:rPr>
-                        <a:t>Kijelentkezés - </a:t>
+                        <a:t>Új adatbevitel-kommentként - </a:t>
                       </a:r>
                       <a:r>
                         <a:rPr lang="en-US" sz="1200" kern="1200">
@@ -7815,7 +7820,7 @@
                           <a:ea typeface="+mn-ea"/>
                           <a:cs typeface="+mn-cs"/>
                         </a:rPr>
-                        <a:t>test_logout_succesfully_or_unsuccesfully</a:t>
+                        <a:t>test_type_in_new_data_as_comment</a:t>
                       </a:r>
                       <a:r>
                         <a:rPr lang="hu-HU" sz="1200" kern="1200">
@@ -7925,7 +7930,7 @@
                           <a:ea typeface="+mn-ea"/>
                           <a:cs typeface="+mn-cs"/>
                         </a:rPr>
-                        <a:t>Új adatbevitel-kommentként - </a:t>
+                        <a:t>Új adatbevitel-karakterbevitel nélkül - </a:t>
                       </a:r>
                       <a:r>
                         <a:rPr lang="en-US" sz="1200" kern="1200">
@@ -7939,7 +7944,7 @@
                           <a:ea typeface="+mn-ea"/>
                           <a:cs typeface="+mn-cs"/>
                         </a:rPr>
-                        <a:t>test_type_in_new_data_as_comment</a:t>
+                        <a:t>test_type_in_without_data</a:t>
                       </a:r>
                       <a:r>
                         <a:rPr lang="hu-HU" sz="1200" kern="1200">
@@ -7972,34 +7977,6 @@
                           <a:schemeClr val="accent5">
                             <a:lumMod val="75000"/>
                           </a:schemeClr>
-                        </a:solidFill>
-                        <a:effectLst/>
-                        <a:latin typeface="+mn-lt"/>
-                        <a:ea typeface="+mn-ea"/>
-                        <a:cs typeface="+mn-cs"/>
-                      </a:endParaRPr>
-                    </a:p>
-                    <a:p>
-                      <a:pPr marL="0" marR="0" lvl="0" indent="0" algn="l" defTabSz="457200" rtl="0" eaLnBrk="1" fontAlgn="auto" latinLnBrk="0" hangingPunct="1">
-                        <a:lnSpc>
-                          <a:spcPct val="100000"/>
-                        </a:lnSpc>
-                        <a:spcBef>
-                          <a:spcPts val="0"/>
-                        </a:spcBef>
-                        <a:spcAft>
-                          <a:spcPts val="0"/>
-                        </a:spcAft>
-                        <a:buClrTx/>
-                        <a:buSzTx/>
-                        <a:buFont typeface="+mj-lt"/>
-                        <a:buNone/>
-                        <a:tabLst/>
-                        <a:defRPr/>
-                      </a:pPr>
-                      <a:endParaRPr lang="hu-HU" sz="1200" kern="1200">
-                        <a:solidFill>
-                          <a:schemeClr val="dk1"/>
                         </a:solidFill>
                         <a:effectLst/>
                         <a:latin typeface="+mn-lt"/>
@@ -8056,21 +8033,7 @@
                           <a:ea typeface="+mn-ea"/>
                           <a:cs typeface="+mn-cs"/>
                         </a:rPr>
-                        <a:t>Új adatbevitel-karakterbevitel nélkül - </a:t>
-                      </a:r>
-                      <a:r>
-                        <a:rPr lang="en-US" sz="1200" kern="1200">
-                          <a:solidFill>
-                            <a:schemeClr val="accent5">
-                              <a:lumMod val="75000"/>
-                            </a:schemeClr>
-                          </a:solidFill>
-                          <a:effectLst/>
-                          <a:latin typeface="+mn-lt"/>
-                          <a:ea typeface="+mn-ea"/>
-                          <a:cs typeface="+mn-cs"/>
-                        </a:rPr>
-                        <a:t>test_type_in_without_data</a:t>
+                        <a:t>Több oldalas lista bejárása - </a:t>
                       </a:r>
                       <a:r>
                         <a:rPr lang="hu-HU" sz="1200" kern="1200">
@@ -8084,7 +8047,7 @@
                           <a:ea typeface="+mn-ea"/>
                           <a:cs typeface="+mn-cs"/>
                         </a:rPr>
-                        <a:t> </a:t>
+                        <a:t>test_iterating_thru_pages </a:t>
                       </a:r>
                       <a:r>
                         <a:rPr lang="hu-HU" sz="1200" b="1" u="sng" kern="1200">
@@ -8098,7 +8061,7 @@
                         </a:rPr>
                         <a:t>TC-8</a:t>
                       </a:r>
-                      <a:endParaRPr lang="en-US" sz="1200" kern="1200">
+                      <a:endParaRPr lang="hu-HU" sz="1200" kern="1200">
                         <a:solidFill>
                           <a:schemeClr val="accent5">
                             <a:lumMod val="75000"/>
@@ -8180,7 +8143,7 @@
                           <a:ea typeface="+mn-ea"/>
                           <a:cs typeface="+mn-cs"/>
                         </a:rPr>
-                        <a:t>Több oldalas lista bejárása - </a:t>
+                        <a:t>Meglévő adat módosítása - </a:t>
                       </a:r>
                       <a:r>
                         <a:rPr lang="hu-HU" sz="1200" kern="1200">
@@ -8194,7 +8157,7 @@
                           <a:ea typeface="+mn-ea"/>
                           <a:cs typeface="+mn-cs"/>
                         </a:rPr>
-                        <a:t>test_iterating_thru_pages </a:t>
+                        <a:t>test_data_modification </a:t>
                       </a:r>
                       <a:r>
                         <a:rPr lang="hu-HU" sz="1200" b="1" u="sng" kern="1200">
@@ -8290,7 +8253,7 @@
                           <a:ea typeface="+mn-ea"/>
                           <a:cs typeface="+mn-cs"/>
                         </a:rPr>
-                        <a:t>Meglévő adat módosítása - </a:t>
+                        <a:t>Meglévő adat törlése - </a:t>
                       </a:r>
                       <a:r>
                         <a:rPr lang="hu-HU" sz="1200" kern="1200">
@@ -8304,7 +8267,7 @@
                           <a:ea typeface="+mn-ea"/>
                           <a:cs typeface="+mn-cs"/>
                         </a:rPr>
-                        <a:t>test_data_modification </a:t>
+                        <a:t>test_delete_data </a:t>
                       </a:r>
                       <a:r>
                         <a:rPr lang="hu-HU" sz="1200" b="1" u="sng" kern="1200">
@@ -8400,88 +8363,6 @@
                           <a:ea typeface="+mn-ea"/>
                           <a:cs typeface="+mn-cs"/>
                         </a:rPr>
-                        <a:t>Meglévő adat törlése - </a:t>
-                      </a:r>
-                      <a:r>
-                        <a:rPr lang="hu-HU" sz="1200" kern="1200">
-                          <a:solidFill>
-                            <a:schemeClr val="accent5">
-                              <a:lumMod val="75000"/>
-                            </a:schemeClr>
-                          </a:solidFill>
-                          <a:effectLst/>
-                          <a:latin typeface="+mn-lt"/>
-                          <a:ea typeface="+mn-ea"/>
-                          <a:cs typeface="+mn-cs"/>
-                        </a:rPr>
-                        <a:t>test_delete_data </a:t>
-                      </a:r>
-                      <a:r>
-                        <a:rPr lang="hu-HU" sz="1200" b="1" u="sng" kern="1200">
-                          <a:solidFill>
-                            <a:srgbClr val="7030A0"/>
-                          </a:solidFill>
-                          <a:effectLst/>
-                          <a:latin typeface="+mn-lt"/>
-                          <a:ea typeface="+mn-ea"/>
-                          <a:cs typeface="+mn-cs"/>
-                        </a:rPr>
-                        <a:t>TC-11</a:t>
-                      </a:r>
-                      <a:endParaRPr lang="hu-HU" sz="1200" kern="1200">
-                        <a:solidFill>
-                          <a:schemeClr val="accent5">
-                            <a:lumMod val="75000"/>
-                          </a:schemeClr>
-                        </a:solidFill>
-                        <a:effectLst/>
-                        <a:latin typeface="+mn-lt"/>
-                        <a:ea typeface="+mn-ea"/>
-                        <a:cs typeface="+mn-cs"/>
-                      </a:endParaRPr>
-                    </a:p>
-                  </a:txBody>
-                  <a:tcPr/>
-                </a:tc>
-                <a:extLst>
-                  <a:ext uri="{0D108BD9-81ED-4DB2-BD59-A6C34878D82A}">
-                    <a16:rowId xmlns:a16="http://schemas.microsoft.com/office/drawing/2014/main" val="1910072477"/>
-                  </a:ext>
-                </a:extLst>
-              </a:tr>
-              <a:tr h="528187">
-                <a:tc>
-                  <a:txBody>
-                    <a:bodyPr/>
-                    <a:lstStyle/>
-                    <a:p>
-                      <a:pPr marL="0" marR="0" lvl="0" indent="0" algn="l" defTabSz="457200" rtl="0" eaLnBrk="1" fontAlgn="auto" latinLnBrk="0" hangingPunct="1">
-                        <a:lnSpc>
-                          <a:spcPct val="100000"/>
-                        </a:lnSpc>
-                        <a:spcBef>
-                          <a:spcPts val="0"/>
-                        </a:spcBef>
-                        <a:spcAft>
-                          <a:spcPts val="0"/>
-                        </a:spcAft>
-                        <a:buClrTx/>
-                        <a:buSzTx/>
-                        <a:buFont typeface="+mj-lt"/>
-                        <a:buNone/>
-                        <a:tabLst/>
-                        <a:defRPr/>
-                      </a:pPr>
-                      <a:r>
-                        <a:rPr lang="hu-HU" sz="1200" kern="1200">
-                          <a:solidFill>
-                            <a:schemeClr val="dk1"/>
-                          </a:solidFill>
-                          <a:effectLst/>
-                          <a:latin typeface="+mn-lt"/>
-                          <a:ea typeface="+mn-ea"/>
-                          <a:cs typeface="+mn-cs"/>
-                        </a:rPr>
                         <a:t>Adatok lementése felületről - </a:t>
                       </a:r>
                       <a:r>
@@ -8508,8 +8389,38 @@
                           <a:ea typeface="+mn-ea"/>
                           <a:cs typeface="+mn-cs"/>
                         </a:rPr>
-                        <a:t>TC-12</a:t>
+                        <a:t>TC-11</a:t>
                       </a:r>
+                      <a:endParaRPr lang="hu-HU" sz="1200" kern="1200">
+                        <a:solidFill>
+                          <a:schemeClr val="accent5">
+                            <a:lumMod val="75000"/>
+                          </a:schemeClr>
+                        </a:solidFill>
+                        <a:effectLst/>
+                        <a:latin typeface="+mn-lt"/>
+                        <a:ea typeface="+mn-ea"/>
+                        <a:cs typeface="+mn-cs"/>
+                      </a:endParaRPr>
+                    </a:p>
+                    <a:p>
+                      <a:pPr marL="0" marR="0" lvl="0" indent="0" algn="l" defTabSz="457200" rtl="0" eaLnBrk="1" fontAlgn="auto" latinLnBrk="0" hangingPunct="1">
+                        <a:lnSpc>
+                          <a:spcPct val="100000"/>
+                        </a:lnSpc>
+                        <a:spcBef>
+                          <a:spcPts val="0"/>
+                        </a:spcBef>
+                        <a:spcAft>
+                          <a:spcPts val="0"/>
+                        </a:spcAft>
+                        <a:buClrTx/>
+                        <a:buSzTx/>
+                        <a:buFont typeface="+mj-lt"/>
+                        <a:buNone/>
+                        <a:tabLst/>
+                        <a:defRPr/>
+                      </a:pPr>
                       <a:endParaRPr lang="hu-HU" sz="1200" kern="1200">
                         <a:solidFill>
                           <a:schemeClr val="accent5">
@@ -8527,7 +8438,7 @@
                 </a:tc>
                 <a:extLst>
                   <a:ext uri="{0D108BD9-81ED-4DB2-BD59-A6C34878D82A}">
-                    <a16:rowId xmlns:a16="http://schemas.microsoft.com/office/drawing/2014/main" val="684460834"/>
+                    <a16:rowId xmlns:a16="http://schemas.microsoft.com/office/drawing/2014/main" val="1910072477"/>
                   </a:ext>
                 </a:extLst>
               </a:tr>
@@ -8604,8 +8515,153 @@
                           <a:ea typeface="+mn-ea"/>
                           <a:cs typeface="+mn-cs"/>
                         </a:rPr>
+                        <a:t>TC-12</a:t>
+                      </a:r>
+                    </a:p>
+                    <a:p>
+                      <a:pPr marL="0" marR="0" lvl="0" indent="0" algn="l" defTabSz="457200" rtl="0" eaLnBrk="1" fontAlgn="auto" latinLnBrk="0" hangingPunct="1">
+                        <a:lnSpc>
+                          <a:spcPct val="100000"/>
+                        </a:lnSpc>
+                        <a:spcBef>
+                          <a:spcPts val="0"/>
+                        </a:spcBef>
+                        <a:spcAft>
+                          <a:spcPts val="0"/>
+                        </a:spcAft>
+                        <a:buClrTx/>
+                        <a:buSzTx/>
+                        <a:buFont typeface="+mj-lt"/>
+                        <a:buNone/>
+                        <a:tabLst/>
+                        <a:defRPr/>
+                      </a:pPr>
+                      <a:endParaRPr lang="hu-HU" sz="1200" kern="1200">
+                        <a:solidFill>
+                          <a:schemeClr val="accent5">
+                            <a:lumMod val="75000"/>
+                          </a:schemeClr>
+                        </a:solidFill>
+                        <a:effectLst/>
+                        <a:latin typeface="+mn-lt"/>
+                        <a:ea typeface="+mn-ea"/>
+                        <a:cs typeface="+mn-cs"/>
+                      </a:endParaRPr>
+                    </a:p>
+                  </a:txBody>
+                  <a:tcPr/>
+                </a:tc>
+                <a:extLst>
+                  <a:ext uri="{0D108BD9-81ED-4DB2-BD59-A6C34878D82A}">
+                    <a16:rowId xmlns:a16="http://schemas.microsoft.com/office/drawing/2014/main" val="684460834"/>
+                  </a:ext>
+                </a:extLst>
+              </a:tr>
+              <a:tr h="528187">
+                <a:tc>
+                  <a:txBody>
+                    <a:bodyPr/>
+                    <a:lstStyle/>
+                    <a:p>
+                      <a:pPr marL="0" marR="0" lvl="0" indent="0" algn="l" defTabSz="457200" rtl="0" eaLnBrk="1" fontAlgn="auto" latinLnBrk="0" hangingPunct="1">
+                        <a:lnSpc>
+                          <a:spcPct val="100000"/>
+                        </a:lnSpc>
+                        <a:spcBef>
+                          <a:spcPts val="0"/>
+                        </a:spcBef>
+                        <a:spcAft>
+                          <a:spcPts val="0"/>
+                        </a:spcAft>
+                        <a:buClrTx/>
+                        <a:buSzTx/>
+                        <a:buFont typeface="+mj-lt"/>
+                        <a:buNone/>
+                        <a:tabLst/>
+                        <a:defRPr/>
+                      </a:pPr>
+                      <a:r>
+                        <a:rPr lang="hu-HU" sz="1200" kern="1200">
+                          <a:solidFill>
+                            <a:schemeClr val="dk1"/>
+                          </a:solidFill>
+                          <a:effectLst/>
+                          <a:latin typeface="+mn-lt"/>
+                          <a:ea typeface="+mn-ea"/>
+                          <a:cs typeface="+mn-cs"/>
+                        </a:rPr>
+                        <a:t>Regisztráció-sikeresen+sorozatos adatbevitel listából - </a:t>
+                      </a:r>
+                      <a:r>
+                        <a:rPr lang="en-US" sz="1200" kern="1200">
+                          <a:solidFill>
+                            <a:schemeClr val="accent5">
+                              <a:lumMod val="75000"/>
+                            </a:schemeClr>
+                          </a:solidFill>
+                          <a:effectLst/>
+                          <a:latin typeface="+mn-lt"/>
+                          <a:ea typeface="+mn-ea"/>
+                          <a:cs typeface="+mn-cs"/>
+                        </a:rPr>
+                        <a:t>test_signup_succesfully_and_data_input_iteratio</a:t>
+                      </a:r>
+                      <a:r>
+                        <a:rPr lang="hu-HU" sz="1200" kern="1200">
+                          <a:solidFill>
+                            <a:schemeClr val="accent5">
+                              <a:lumMod val="75000"/>
+                            </a:schemeClr>
+                          </a:solidFill>
+                          <a:effectLst/>
+                          <a:latin typeface="+mn-lt"/>
+                          <a:ea typeface="+mn-ea"/>
+                          <a:cs typeface="+mn-cs"/>
+                        </a:rPr>
+                        <a:t>n </a:t>
+                      </a:r>
+                      <a:r>
+                        <a:rPr lang="hu-HU" sz="1200" b="1" u="sng" kern="1200">
+                          <a:solidFill>
+                            <a:srgbClr val="7030A0"/>
+                          </a:solidFill>
+                          <a:effectLst/>
+                          <a:latin typeface="+mn-lt"/>
+                          <a:ea typeface="+mn-ea"/>
+                          <a:cs typeface="+mn-cs"/>
+                        </a:rPr>
                         <a:t>TC-13</a:t>
                       </a:r>
+                      <a:endParaRPr lang="hu-HU" sz="1200" kern="1200">
+                        <a:solidFill>
+                          <a:schemeClr val="accent5">
+                            <a:lumMod val="75000"/>
+                          </a:schemeClr>
+                        </a:solidFill>
+                        <a:effectLst/>
+                        <a:latin typeface="+mn-lt"/>
+                        <a:ea typeface="+mn-ea"/>
+                        <a:cs typeface="+mn-cs"/>
+                      </a:endParaRPr>
+                    </a:p>
+                    <a:p>
+                      <a:pPr marL="0" marR="0" lvl="0" indent="0" algn="l" defTabSz="457200" rtl="0" eaLnBrk="1" fontAlgn="auto" latinLnBrk="0" hangingPunct="1">
+                        <a:lnSpc>
+                          <a:spcPct val="100000"/>
+                        </a:lnSpc>
+                        <a:spcBef>
+                          <a:spcPts val="0"/>
+                        </a:spcBef>
+                        <a:spcAft>
+                          <a:spcPts val="0"/>
+                        </a:spcAft>
+                        <a:buClrTx/>
+                        <a:buSzTx/>
+                        <a:buFont typeface="+mj-lt"/>
+                        <a:buNone/>
+                        <a:tabLst/>
+                        <a:defRPr/>
+                      </a:pPr>
                       <a:endParaRPr lang="en-US" sz="1200" kern="1200">
                         <a:solidFill>
                           <a:schemeClr val="accent5">

--- a/Vizsgaremek_Prezentáció/Vizsgaremek_Prezentáció.pptx
+++ b/Vizsgaremek_Prezentáció/Vizsgaremek_Prezentáció.pptx
@@ -1249,7 +1249,7 @@
           <a:p>
             <a:fld id="{F8681863-B800-4969-9814-64ADBB0E730D}" type="datetimeFigureOut">
               <a:rPr lang="hu-HU" smtClean="0"/>
-              <a:t>2023. 04. 11.</a:t>
+              <a:t>2023. 04. 12.</a:t>
             </a:fld>
             <a:endParaRPr lang="hu-HU"/>
           </a:p>
@@ -1500,7 +1500,7 @@
           <a:p>
             <a:fld id="{F8681863-B800-4969-9814-64ADBB0E730D}" type="datetimeFigureOut">
               <a:rPr lang="hu-HU" smtClean="0"/>
-              <a:t>2023. 04. 11.</a:t>
+              <a:t>2023. 04. 12.</a:t>
             </a:fld>
             <a:endParaRPr lang="hu-HU"/>
           </a:p>
@@ -1814,7 +1814,7 @@
           <a:p>
             <a:fld id="{F8681863-B800-4969-9814-64ADBB0E730D}" type="datetimeFigureOut">
               <a:rPr lang="hu-HU" smtClean="0"/>
-              <a:t>2023. 04. 11.</a:t>
+              <a:t>2023. 04. 12.</a:t>
             </a:fld>
             <a:endParaRPr lang="hu-HU"/>
           </a:p>
@@ -2141,7 +2141,7 @@
           <a:p>
             <a:fld id="{F8681863-B800-4969-9814-64ADBB0E730D}" type="datetimeFigureOut">
               <a:rPr lang="hu-HU" smtClean="0"/>
-              <a:t>2023. 04. 11.</a:t>
+              <a:t>2023. 04. 12.</a:t>
             </a:fld>
             <a:endParaRPr lang="hu-HU"/>
           </a:p>
@@ -2455,7 +2455,7 @@
           <a:p>
             <a:fld id="{F8681863-B800-4969-9814-64ADBB0E730D}" type="datetimeFigureOut">
               <a:rPr lang="hu-HU" smtClean="0"/>
-              <a:t>2023. 04. 11.</a:t>
+              <a:t>2023. 04. 12.</a:t>
             </a:fld>
             <a:endParaRPr lang="hu-HU"/>
           </a:p>
@@ -2842,7 +2842,7 @@
           <a:p>
             <a:fld id="{F8681863-B800-4969-9814-64ADBB0E730D}" type="datetimeFigureOut">
               <a:rPr lang="hu-HU" smtClean="0"/>
-              <a:t>2023. 04. 11.</a:t>
+              <a:t>2023. 04. 12.</a:t>
             </a:fld>
             <a:endParaRPr lang="hu-HU"/>
           </a:p>
@@ -3012,7 +3012,7 @@
           <a:p>
             <a:fld id="{F8681863-B800-4969-9814-64ADBB0E730D}" type="datetimeFigureOut">
               <a:rPr lang="hu-HU" smtClean="0"/>
-              <a:t>2023. 04. 11.</a:t>
+              <a:t>2023. 04. 12.</a:t>
             </a:fld>
             <a:endParaRPr lang="hu-HU"/>
           </a:p>
@@ -3192,7 +3192,7 @@
           <a:p>
             <a:fld id="{F8681863-B800-4969-9814-64ADBB0E730D}" type="datetimeFigureOut">
               <a:rPr lang="hu-HU" smtClean="0"/>
-              <a:t>2023. 04. 11.</a:t>
+              <a:t>2023. 04. 12.</a:t>
             </a:fld>
             <a:endParaRPr lang="hu-HU"/>
           </a:p>
@@ -3368,7 +3368,7 @@
           <a:p>
             <a:fld id="{F8681863-B800-4969-9814-64ADBB0E730D}" type="datetimeFigureOut">
               <a:rPr lang="hu-HU" smtClean="0"/>
-              <a:t>2023. 04. 11.</a:t>
+              <a:t>2023. 04. 12.</a:t>
             </a:fld>
             <a:endParaRPr lang="hu-HU"/>
           </a:p>
@@ -3615,7 +3615,7 @@
           <a:p>
             <a:fld id="{F8681863-B800-4969-9814-64ADBB0E730D}" type="datetimeFigureOut">
               <a:rPr lang="hu-HU" smtClean="0"/>
-              <a:t>2023. 04. 11.</a:t>
+              <a:t>2023. 04. 12.</a:t>
             </a:fld>
             <a:endParaRPr lang="hu-HU"/>
           </a:p>
@@ -3847,7 +3847,7 @@
           <a:p>
             <a:fld id="{F8681863-B800-4969-9814-64ADBB0E730D}" type="datetimeFigureOut">
               <a:rPr lang="hu-HU" smtClean="0"/>
-              <a:t>2023. 04. 11.</a:t>
+              <a:t>2023. 04. 12.</a:t>
             </a:fld>
             <a:endParaRPr lang="hu-HU"/>
           </a:p>
@@ -4221,7 +4221,7 @@
           <a:p>
             <a:fld id="{F8681863-B800-4969-9814-64ADBB0E730D}" type="datetimeFigureOut">
               <a:rPr lang="hu-HU" smtClean="0"/>
-              <a:t>2023. 04. 11.</a:t>
+              <a:t>2023. 04. 12.</a:t>
             </a:fld>
             <a:endParaRPr lang="hu-HU"/>
           </a:p>
@@ -4344,7 +4344,7 @@
           <a:p>
             <a:fld id="{F8681863-B800-4969-9814-64ADBB0E730D}" type="datetimeFigureOut">
               <a:rPr lang="hu-HU" smtClean="0"/>
-              <a:t>2023. 04. 11.</a:t>
+              <a:t>2023. 04. 12.</a:t>
             </a:fld>
             <a:endParaRPr lang="hu-HU"/>
           </a:p>
@@ -4439,7 +4439,7 @@
           <a:p>
             <a:fld id="{F8681863-B800-4969-9814-64ADBB0E730D}" type="datetimeFigureOut">
               <a:rPr lang="hu-HU" smtClean="0"/>
-              <a:t>2023. 04. 11.</a:t>
+              <a:t>2023. 04. 12.</a:t>
             </a:fld>
             <a:endParaRPr lang="hu-HU"/>
           </a:p>
@@ -4694,7 +4694,7 @@
           <a:p>
             <a:fld id="{F8681863-B800-4969-9814-64ADBB0E730D}" type="datetimeFigureOut">
               <a:rPr lang="hu-HU" smtClean="0"/>
-              <a:t>2023. 04. 11.</a:t>
+              <a:t>2023. 04. 12.</a:t>
             </a:fld>
             <a:endParaRPr lang="hu-HU"/>
           </a:p>
@@ -4957,7 +4957,7 @@
           <a:p>
             <a:fld id="{F8681863-B800-4969-9814-64ADBB0E730D}" type="datetimeFigureOut">
               <a:rPr lang="hu-HU" smtClean="0"/>
-              <a:t>2023. 04. 11.</a:t>
+              <a:t>2023. 04. 12.</a:t>
             </a:fld>
             <a:endParaRPr lang="hu-HU"/>
           </a:p>
@@ -5702,7 +5702,7 @@
           <a:p>
             <a:fld id="{F8681863-B800-4969-9814-64ADBB0E730D}" type="datetimeFigureOut">
               <a:rPr lang="hu-HU" smtClean="0"/>
-              <a:t>2023. 04. 11.</a:t>
+              <a:t>2023. 04. 12.</a:t>
             </a:fld>
             <a:endParaRPr lang="hu-HU"/>
           </a:p>
@@ -7217,14 +7217,14 @@
             <p:ph idx="1"/>
             <p:extLst>
               <p:ext uri="{D42A27DB-BD31-4B8C-83A1-F6EECF244321}">
-                <p14:modId xmlns:p14="http://schemas.microsoft.com/office/powerpoint/2010/main" val="1937451145"/>
+                <p14:modId xmlns:p14="http://schemas.microsoft.com/office/powerpoint/2010/main" val="645842869"/>
               </p:ext>
             </p:extLst>
           </p:nvPr>
         </p:nvGraphicFramePr>
         <p:xfrm>
           <a:off x="974035" y="0"/>
-          <a:ext cx="7484165" cy="7197208"/>
+          <a:ext cx="7484165" cy="7085315"/>
         </p:xfrm>
         <a:graphic>
           <a:graphicData uri="http://schemas.openxmlformats.org/drawingml/2006/table">
@@ -7572,7 +7572,21 @@
                           <a:ea typeface="+mn-ea"/>
                           <a:cs typeface="+mn-cs"/>
                         </a:rPr>
-                        <a:t>Bejelentkezés–sikeresen - </a:t>
+                        <a:t>Regisztráció-sikeresen+sorozatos adatbevitel listából - </a:t>
+                      </a:r>
+                      <a:r>
+                        <a:rPr lang="en-US" sz="1200" kern="1200">
+                          <a:solidFill>
+                            <a:schemeClr val="accent5">
+                              <a:lumMod val="75000"/>
+                            </a:schemeClr>
+                          </a:solidFill>
+                          <a:effectLst/>
+                          <a:latin typeface="+mn-lt"/>
+                          <a:ea typeface="+mn-ea"/>
+                          <a:cs typeface="+mn-cs"/>
+                        </a:rPr>
+                        <a:t>test_signup_succesfully_and_data_input_iteratio</a:t>
                       </a:r>
                       <a:r>
                         <a:rPr lang="hu-HU" sz="1200" kern="1200">
@@ -7586,25 +7600,11 @@
                           <a:ea typeface="+mn-ea"/>
                           <a:cs typeface="+mn-cs"/>
                         </a:rPr>
-                        <a:t>test_signin_succesfully </a:t>
-                      </a:r>
-                      <a:r>
-                        <a:rPr lang="hu-HU" sz="1200" b="1" u="sng" kern="1200">
-                          <a:solidFill>
-                            <a:srgbClr val="7030A0"/>
-                          </a:solidFill>
-                          <a:effectLst/>
-                          <a:latin typeface="+mn-lt"/>
-                          <a:ea typeface="+mn-ea"/>
-                          <a:cs typeface="+mn-cs"/>
-                        </a:rPr>
-                        <a:t>TC-4</a:t>
+                        <a:t>n </a:t>
                       </a:r>
                       <a:endParaRPr lang="hu-HU" sz="1200" kern="1200">
                         <a:solidFill>
-                          <a:schemeClr val="accent5">
-                            <a:lumMod val="75000"/>
-                          </a:schemeClr>
+                          <a:schemeClr val="dk1"/>
                         </a:solidFill>
                         <a:effectLst/>
                         <a:latin typeface="+mn-lt"/>
@@ -7630,9 +7630,23 @@
                         <a:tabLst/>
                         <a:defRPr/>
                       </a:pPr>
+                      <a:r>
+                        <a:rPr lang="hu-HU" sz="1200" b="1" u="sng" kern="1200">
+                          <a:solidFill>
+                            <a:srgbClr val="7030A0"/>
+                          </a:solidFill>
+                          <a:effectLst/>
+                          <a:latin typeface="+mn-lt"/>
+                          <a:ea typeface="+mn-ea"/>
+                          <a:cs typeface="+mn-cs"/>
+                        </a:rPr>
+                        <a:t>TC-4</a:t>
+                      </a:r>
                       <a:endParaRPr lang="hu-HU" sz="1200" kern="1200">
                         <a:solidFill>
-                          <a:schemeClr val="dk1"/>
+                          <a:schemeClr val="accent5">
+                            <a:lumMod val="75000"/>
+                          </a:schemeClr>
                         </a:solidFill>
                         <a:effectLst/>
                         <a:latin typeface="+mn-lt"/>
@@ -7682,21 +7696,7 @@
                           <a:ea typeface="+mn-ea"/>
                           <a:cs typeface="+mn-cs"/>
                         </a:rPr>
-                        <a:t>Kijelentkezés - </a:t>
-                      </a:r>
-                      <a:r>
-                        <a:rPr lang="en-US" sz="1200" kern="1200">
-                          <a:solidFill>
-                            <a:schemeClr val="accent5">
-                              <a:lumMod val="75000"/>
-                            </a:schemeClr>
-                          </a:solidFill>
-                          <a:effectLst/>
-                          <a:latin typeface="+mn-lt"/>
-                          <a:ea typeface="+mn-ea"/>
-                          <a:cs typeface="+mn-cs"/>
-                        </a:rPr>
-                        <a:t>test_logout_succesfully_or_unsuccesfully</a:t>
+                        <a:t>Bejelentkezés–sikeresen - </a:t>
                       </a:r>
                       <a:r>
                         <a:rPr lang="hu-HU" sz="1200" kern="1200">
@@ -7710,7 +7710,7 @@
                           <a:ea typeface="+mn-ea"/>
                           <a:cs typeface="+mn-cs"/>
                         </a:rPr>
-                        <a:t> </a:t>
+                        <a:t>test_signin_succesfully </a:t>
                       </a:r>
                       <a:r>
                         <a:rPr lang="hu-HU" sz="1200" b="1" u="sng" kern="1200">
@@ -7724,7 +7724,7 @@
                         </a:rPr>
                         <a:t>TC-5</a:t>
                       </a:r>
-                      <a:endParaRPr lang="en-US" sz="1200" kern="1200">
+                      <a:endParaRPr lang="hu-HU" sz="1200" kern="1200">
                         <a:solidFill>
                           <a:schemeClr val="accent5">
                             <a:lumMod val="75000"/>
@@ -7806,7 +7806,7 @@
                           <a:ea typeface="+mn-ea"/>
                           <a:cs typeface="+mn-cs"/>
                         </a:rPr>
-                        <a:t>Új adatbevitel-kommentként - </a:t>
+                        <a:t>Kijelentkezés - </a:t>
                       </a:r>
                       <a:r>
                         <a:rPr lang="en-US" sz="1200" kern="1200">
@@ -7820,7 +7820,7 @@
                           <a:ea typeface="+mn-ea"/>
                           <a:cs typeface="+mn-cs"/>
                         </a:rPr>
-                        <a:t>test_type_in_new_data_as_comment</a:t>
+                        <a:t>test_logout_succesfully_or_unsuccesfully</a:t>
                       </a:r>
                       <a:r>
                         <a:rPr lang="hu-HU" sz="1200" kern="1200">
@@ -7930,7 +7930,7 @@
                           <a:ea typeface="+mn-ea"/>
                           <a:cs typeface="+mn-cs"/>
                         </a:rPr>
-                        <a:t>Új adatbevitel-karakterbevitel nélkül - </a:t>
+                        <a:t>Új adatbevitel-kommentként - </a:t>
                       </a:r>
                       <a:r>
                         <a:rPr lang="en-US" sz="1200" kern="1200">
@@ -7944,7 +7944,7 @@
                           <a:ea typeface="+mn-ea"/>
                           <a:cs typeface="+mn-cs"/>
                         </a:rPr>
-                        <a:t>test_type_in_without_data</a:t>
+                        <a:t>test_type_in_new_data_as_comment</a:t>
                       </a:r>
                       <a:r>
                         <a:rPr lang="hu-HU" sz="1200" kern="1200">
@@ -8033,7 +8033,21 @@
                           <a:ea typeface="+mn-ea"/>
                           <a:cs typeface="+mn-cs"/>
                         </a:rPr>
-                        <a:t>Több oldalas lista bejárása - </a:t>
+                        <a:t>Új adatbevitel-karakterbevitel nélkül - </a:t>
+                      </a:r>
+                      <a:r>
+                        <a:rPr lang="en-US" sz="1200" kern="1200">
+                          <a:solidFill>
+                            <a:schemeClr val="accent5">
+                              <a:lumMod val="75000"/>
+                            </a:schemeClr>
+                          </a:solidFill>
+                          <a:effectLst/>
+                          <a:latin typeface="+mn-lt"/>
+                          <a:ea typeface="+mn-ea"/>
+                          <a:cs typeface="+mn-cs"/>
+                        </a:rPr>
+                        <a:t>test_type_in_without_data</a:t>
                       </a:r>
                       <a:r>
                         <a:rPr lang="hu-HU" sz="1200" kern="1200">
@@ -8047,7 +8061,7 @@
                           <a:ea typeface="+mn-ea"/>
                           <a:cs typeface="+mn-cs"/>
                         </a:rPr>
-                        <a:t>test_iterating_thru_pages </a:t>
+                        <a:t> </a:t>
                       </a:r>
                       <a:r>
                         <a:rPr lang="hu-HU" sz="1200" b="1" u="sng" kern="1200">
@@ -8061,7 +8075,7 @@
                         </a:rPr>
                         <a:t>TC-8</a:t>
                       </a:r>
-                      <a:endParaRPr lang="hu-HU" sz="1200" kern="1200">
+                      <a:endParaRPr lang="en-US" sz="1200" kern="1200">
                         <a:solidFill>
                           <a:schemeClr val="accent5">
                             <a:lumMod val="75000"/>
@@ -8143,7 +8157,7 @@
                           <a:ea typeface="+mn-ea"/>
                           <a:cs typeface="+mn-cs"/>
                         </a:rPr>
-                        <a:t>Meglévő adat módosítása - </a:t>
+                        <a:t>Több oldalas lista bejárása - </a:t>
                       </a:r>
                       <a:r>
                         <a:rPr lang="hu-HU" sz="1200" kern="1200">
@@ -8157,7 +8171,7 @@
                           <a:ea typeface="+mn-ea"/>
                           <a:cs typeface="+mn-cs"/>
                         </a:rPr>
-                        <a:t>test_data_modification </a:t>
+                        <a:t>test_iterating_thru_pages </a:t>
                       </a:r>
                       <a:r>
                         <a:rPr lang="hu-HU" sz="1200" b="1" u="sng" kern="1200">
@@ -8253,7 +8267,7 @@
                           <a:ea typeface="+mn-ea"/>
                           <a:cs typeface="+mn-cs"/>
                         </a:rPr>
-                        <a:t>Meglévő adat törlése - </a:t>
+                        <a:t>Meglévő adat törlése + módosítása - </a:t>
                       </a:r>
                       <a:r>
                         <a:rPr lang="hu-HU" sz="1200" kern="1200">
@@ -8267,7 +8281,7 @@
                           <a:ea typeface="+mn-ea"/>
                           <a:cs typeface="+mn-cs"/>
                         </a:rPr>
-                        <a:t>test_delete_data </a:t>
+                        <a:t>test_data_deletion_and_modification </a:t>
                       </a:r>
                       <a:r>
                         <a:rPr lang="hu-HU" sz="1200" b="1" u="sng" kern="1200">
@@ -8580,88 +8594,6 @@
                         <a:tabLst/>
                         <a:defRPr/>
                       </a:pPr>
-                      <a:r>
-                        <a:rPr lang="hu-HU" sz="1200" kern="1200">
-                          <a:solidFill>
-                            <a:schemeClr val="dk1"/>
-                          </a:solidFill>
-                          <a:effectLst/>
-                          <a:latin typeface="+mn-lt"/>
-                          <a:ea typeface="+mn-ea"/>
-                          <a:cs typeface="+mn-cs"/>
-                        </a:rPr>
-                        <a:t>Regisztráció-sikeresen+sorozatos adatbevitel listából - </a:t>
-                      </a:r>
-                      <a:r>
-                        <a:rPr lang="en-US" sz="1200" kern="1200">
-                          <a:solidFill>
-                            <a:schemeClr val="accent5">
-                              <a:lumMod val="75000"/>
-                            </a:schemeClr>
-                          </a:solidFill>
-                          <a:effectLst/>
-                          <a:latin typeface="+mn-lt"/>
-                          <a:ea typeface="+mn-ea"/>
-                          <a:cs typeface="+mn-cs"/>
-                        </a:rPr>
-                        <a:t>test_signup_succesfully_and_data_input_iteratio</a:t>
-                      </a:r>
-                      <a:r>
-                        <a:rPr lang="hu-HU" sz="1200" kern="1200">
-                          <a:solidFill>
-                            <a:schemeClr val="accent5">
-                              <a:lumMod val="75000"/>
-                            </a:schemeClr>
-                          </a:solidFill>
-                          <a:effectLst/>
-                          <a:latin typeface="+mn-lt"/>
-                          <a:ea typeface="+mn-ea"/>
-                          <a:cs typeface="+mn-cs"/>
-                        </a:rPr>
-                        <a:t>n </a:t>
-                      </a:r>
-                      <a:r>
-                        <a:rPr lang="hu-HU" sz="1200" b="1" u="sng" kern="1200">
-                          <a:solidFill>
-                            <a:srgbClr val="7030A0"/>
-                          </a:solidFill>
-                          <a:effectLst/>
-                          <a:latin typeface="+mn-lt"/>
-                          <a:ea typeface="+mn-ea"/>
-                          <a:cs typeface="+mn-cs"/>
-                        </a:rPr>
-                        <a:t>TC-13</a:t>
-                      </a:r>
-                      <a:endParaRPr lang="hu-HU" sz="1200" kern="1200">
-                        <a:solidFill>
-                          <a:schemeClr val="accent5">
-                            <a:lumMod val="75000"/>
-                          </a:schemeClr>
-                        </a:solidFill>
-                        <a:effectLst/>
-                        <a:latin typeface="+mn-lt"/>
-                        <a:ea typeface="+mn-ea"/>
-                        <a:cs typeface="+mn-cs"/>
-                      </a:endParaRPr>
-                    </a:p>
-                    <a:p>
-                      <a:pPr marL="0" marR="0" lvl="0" indent="0" algn="l" defTabSz="457200" rtl="0" eaLnBrk="1" fontAlgn="auto" latinLnBrk="0" hangingPunct="1">
-                        <a:lnSpc>
-                          <a:spcPct val="100000"/>
-                        </a:lnSpc>
-                        <a:spcBef>
-                          <a:spcPts val="0"/>
-                        </a:spcBef>
-                        <a:spcAft>
-                          <a:spcPts val="0"/>
-                        </a:spcAft>
-                        <a:buClrTx/>
-                        <a:buSzTx/>
-                        <a:buFont typeface="+mj-lt"/>
-                        <a:buNone/>
-                        <a:tabLst/>
-                        <a:defRPr/>
-                      </a:pPr>
                       <a:endParaRPr lang="en-US" sz="1200" kern="1200">
                         <a:solidFill>
                           <a:schemeClr val="accent5">
@@ -8851,10 +8783,10 @@
       </p:sp>
       <p:pic>
         <p:nvPicPr>
-          <p:cNvPr id="5" name="Tartalom helye 4">
+          <p:cNvPr id="11" name="Tartalom helye 10">
             <a:extLst>
               <a:ext uri="{FF2B5EF4-FFF2-40B4-BE49-F238E27FC236}">
-                <a16:creationId xmlns:a16="http://schemas.microsoft.com/office/drawing/2014/main" id="{A75F689F-9153-DBFE-A850-3E1358B70E72}"/>
+                <a16:creationId xmlns:a16="http://schemas.microsoft.com/office/drawing/2014/main" id="{88949099-E596-8F1E-EEAE-B9B3C6FF4511}"/>
               </a:ext>
             </a:extLst>
           </p:cNvPr>
@@ -8879,8 +8811,8 @@
         </p:blipFill>
         <p:spPr>
           <a:xfrm>
-            <a:off x="69573" y="805070"/>
-            <a:ext cx="11509513" cy="5434872"/>
+            <a:off x="0" y="708212"/>
+            <a:ext cx="11080375" cy="5333813"/>
           </a:xfrm>
         </p:spPr>
       </p:pic>
@@ -8949,10 +8881,10 @@
       </p:sp>
       <p:pic>
         <p:nvPicPr>
-          <p:cNvPr id="5" name="Tartalom helye 4">
+          <p:cNvPr id="7" name="Tartalom helye 6">
             <a:extLst>
               <a:ext uri="{FF2B5EF4-FFF2-40B4-BE49-F238E27FC236}">
-                <a16:creationId xmlns:a16="http://schemas.microsoft.com/office/drawing/2014/main" id="{274B7DF7-6D1F-351F-AB86-2001BE54D56C}"/>
+                <a16:creationId xmlns:a16="http://schemas.microsoft.com/office/drawing/2014/main" id="{5E77FEC8-36F7-304B-87A7-5CDA45129D2A}"/>
               </a:ext>
             </a:extLst>
           </p:cNvPr>
@@ -8977,8 +8909,8 @@
         </p:blipFill>
         <p:spPr>
           <a:xfrm>
-            <a:off x="755373" y="816306"/>
-            <a:ext cx="10436087" cy="5225387"/>
+            <a:off x="0" y="1129554"/>
+            <a:ext cx="10632141" cy="4912472"/>
           </a:xfrm>
         </p:spPr>
       </p:pic>
